--- a/Introduction to Nuget.pptx
+++ b/Introduction to Nuget.pptx
@@ -3716,7 +3716,7 @@
     </p:spTree>
     <p:extLst>
       <p:ext uri="{BB962C8B-B14F-4D97-AF65-F5344CB8AC3E}">
-        <p14:creationId xmlns="" xmlns:p14="http://schemas.microsoft.com/office/powerpoint/2010/main" val="3336247569"/>
+        <p14:creationId xmlns:p14="http://schemas.microsoft.com/office/powerpoint/2010/main" xmlns="" val="3336247569"/>
       </p:ext>
     </p:extLst>
   </p:cSld>
@@ -3834,7 +3834,7 @@
     </p:spTree>
     <p:extLst>
       <p:ext uri="{BB962C8B-B14F-4D97-AF65-F5344CB8AC3E}">
-        <p14:creationId xmlns="" xmlns:p14="http://schemas.microsoft.com/office/powerpoint/2010/main" val="2117051233"/>
+        <p14:creationId xmlns:p14="http://schemas.microsoft.com/office/powerpoint/2010/main" xmlns="" val="2117051233"/>
       </p:ext>
     </p:extLst>
   </p:cSld>
@@ -3951,7 +3951,7 @@
     </p:spTree>
     <p:extLst>
       <p:ext uri="{BB962C8B-B14F-4D97-AF65-F5344CB8AC3E}">
-        <p14:creationId xmlns="" xmlns:p14="http://schemas.microsoft.com/office/powerpoint/2010/main" val="2307787106"/>
+        <p14:creationId xmlns:p14="http://schemas.microsoft.com/office/powerpoint/2010/main" xmlns="" val="2307787106"/>
       </p:ext>
     </p:extLst>
   </p:cSld>
@@ -4018,7 +4018,7 @@
     </p:spTree>
     <p:extLst>
       <p:ext uri="{BB962C8B-B14F-4D97-AF65-F5344CB8AC3E}">
-        <p14:creationId xmlns="" xmlns:p14="http://schemas.microsoft.com/office/powerpoint/2010/main" val="3713405788"/>
+        <p14:creationId xmlns:p14="http://schemas.microsoft.com/office/powerpoint/2010/main" xmlns="" val="3713405788"/>
       </p:ext>
     </p:extLst>
   </p:cSld>
@@ -4145,7 +4145,7 @@
     </p:spTree>
     <p:extLst>
       <p:ext uri="{BB962C8B-B14F-4D97-AF65-F5344CB8AC3E}">
-        <p14:creationId xmlns="" xmlns:p14="http://schemas.microsoft.com/office/powerpoint/2010/main" val="2025304077"/>
+        <p14:creationId xmlns:p14="http://schemas.microsoft.com/office/powerpoint/2010/main" xmlns="" val="2025304077"/>
       </p:ext>
     </p:extLst>
   </p:cSld>
@@ -4324,7 +4324,7 @@
           <a:blip r:embed="rId4" cstate="print">
             <a:extLst>
               <a:ext uri="{28A0092B-C50C-407E-A947-70E740481C1C}">
-                <a14:useLocalDpi xmlns="" xmlns:a14="http://schemas.microsoft.com/office/drawing/2010/main" val="0"/>
+                <a14:useLocalDpi xmlns:a14="http://schemas.microsoft.com/office/drawing/2010/main" xmlns="" val="0"/>
               </a:ext>
             </a:extLst>
           </a:blip>
@@ -4357,7 +4357,7 @@
           </a:effectLst>
           <a:extLst>
             <a:ext uri="{909E8E84-426E-40DD-AFC4-6F175D3DCCD1}">
-              <a14:hiddenFill xmlns="" xmlns:a14="http://schemas.microsoft.com/office/drawing/2010/main">
+              <a14:hiddenFill xmlns:a14="http://schemas.microsoft.com/office/drawing/2010/main" xmlns="">
                 <a:solidFill>
                   <a:schemeClr val="accent1"/>
                 </a:solidFill>
@@ -4369,7 +4369,7 @@
     </p:spTree>
     <p:extLst>
       <p:ext uri="{BB962C8B-B14F-4D97-AF65-F5344CB8AC3E}">
-        <p14:creationId xmlns="" xmlns:p14="http://schemas.microsoft.com/office/powerpoint/2010/main" val="769634377"/>
+        <p14:creationId xmlns:p14="http://schemas.microsoft.com/office/powerpoint/2010/main" xmlns="" val="769634377"/>
       </p:ext>
     </p:extLst>
   </p:cSld>
@@ -4435,7 +4435,7 @@
     </p:spTree>
     <p:extLst>
       <p:ext uri="{BB962C8B-B14F-4D97-AF65-F5344CB8AC3E}">
-        <p14:creationId xmlns="" xmlns:p14="http://schemas.microsoft.com/office/powerpoint/2010/main" val="4070640621"/>
+        <p14:creationId xmlns:p14="http://schemas.microsoft.com/office/powerpoint/2010/main" xmlns="" val="4070640621"/>
       </p:ext>
     </p:extLst>
   </p:cSld>
@@ -4549,7 +4549,7 @@
     </p:spTree>
     <p:extLst>
       <p:ext uri="{BB962C8B-B14F-4D97-AF65-F5344CB8AC3E}">
-        <p14:creationId xmlns="" xmlns:p14="http://schemas.microsoft.com/office/powerpoint/2010/main" val="1943578093"/>
+        <p14:creationId xmlns:p14="http://schemas.microsoft.com/office/powerpoint/2010/main" xmlns="" val="1943578093"/>
       </p:ext>
     </p:extLst>
   </p:cSld>
@@ -4620,7 +4620,7 @@
     </p:spTree>
     <p:extLst>
       <p:ext uri="{BB962C8B-B14F-4D97-AF65-F5344CB8AC3E}">
-        <p14:creationId xmlns="" xmlns:p14="http://schemas.microsoft.com/office/powerpoint/2010/main" val="3556454579"/>
+        <p14:creationId xmlns:p14="http://schemas.microsoft.com/office/powerpoint/2010/main" xmlns="" val="3556454579"/>
       </p:ext>
     </p:extLst>
   </p:cSld>
@@ -4811,7 +4811,7 @@
     </p:spTree>
     <p:extLst>
       <p:ext uri="{BB962C8B-B14F-4D97-AF65-F5344CB8AC3E}">
-        <p14:creationId xmlns="" xmlns:p14="http://schemas.microsoft.com/office/powerpoint/2010/main" val="3028783580"/>
+        <p14:creationId xmlns:p14="http://schemas.microsoft.com/office/powerpoint/2010/main" xmlns="" val="3028783580"/>
       </p:ext>
     </p:extLst>
   </p:cSld>
@@ -4911,8 +4911,9 @@
             <a:pPr lvl="1"/>
             <a:r>
               <a:rPr lang="en-US" dirty="0" smtClean="0"/>
-              <a:t>Copy/paste code </a:t>
-            </a:r>
+              <a:t>Copy &amp; Paste</a:t>
+            </a:r>
+            <a:endParaRPr lang="en-US" dirty="0" smtClean="0"/>
           </a:p>
           <a:p>
             <a:pPr lvl="1"/>
@@ -5006,7 +5007,7 @@
           <a:blip r:embed="rId2" cstate="print">
             <a:extLst>
               <a:ext uri="{28A0092B-C50C-407E-A947-70E740481C1C}">
-                <a14:useLocalDpi xmlns="" xmlns:a14="http://schemas.microsoft.com/office/drawing/2010/main" val="0"/>
+                <a14:useLocalDpi xmlns:a14="http://schemas.microsoft.com/office/drawing/2010/main" xmlns="" val="0"/>
               </a:ext>
             </a:extLst>
           </a:blip>
@@ -5017,7 +5018,7 @@
         </p:blipFill>
         <p:spPr bwMode="auto">
           <a:xfrm flipH="1">
-            <a:off x="3352800" y="2362200"/>
+            <a:off x="2895600" y="2133600"/>
             <a:ext cx="880318" cy="1082041"/>
           </a:xfrm>
           <a:prstGeom prst="rect">
@@ -5030,14 +5031,14 @@
           <a:effectLst/>
           <a:extLst>
             <a:ext uri="{909E8E84-426E-40DD-AFC4-6F175D3DCCD1}">
-              <a14:hiddenFill xmlns="" xmlns:a14="http://schemas.microsoft.com/office/drawing/2010/main">
+              <a14:hiddenFill xmlns:a14="http://schemas.microsoft.com/office/drawing/2010/main" xmlns="">
                 <a:solidFill>
                   <a:schemeClr val="accent1"/>
                 </a:solidFill>
               </a14:hiddenFill>
             </a:ext>
             <a:ext uri="{91240B29-F687-4F45-9708-019B960494DF}">
-              <a14:hiddenLine xmlns="" xmlns:a14="http://schemas.microsoft.com/office/drawing/2010/main" w="9525">
+              <a14:hiddenLine xmlns:a14="http://schemas.microsoft.com/office/drawing/2010/main" xmlns="" w="9525">
                 <a:solidFill>
                   <a:schemeClr val="tx1"/>
                 </a:solidFill>
@@ -5047,7 +5048,7 @@
               </a14:hiddenLine>
             </a:ext>
             <a:ext uri="{AF507438-7753-43E0-B8FC-AC1667EBCBE1}">
-              <a14:hiddenEffects xmlns="" xmlns:a14="http://schemas.microsoft.com/office/drawing/2010/main">
+              <a14:hiddenEffects xmlns:a14="http://schemas.microsoft.com/office/drawing/2010/main" xmlns="">
                 <a:effectLst>
                   <a:outerShdw dist="35921" dir="2700000" algn="ctr" rotWithShape="0">
                     <a:schemeClr val="bg2"/>
@@ -5061,7 +5062,7 @@
     </p:spTree>
     <p:extLst>
       <p:ext uri="{BB962C8B-B14F-4D97-AF65-F5344CB8AC3E}">
-        <p14:creationId xmlns="" xmlns:p14="http://schemas.microsoft.com/office/powerpoint/2010/main" val="1071825841"/>
+        <p14:creationId xmlns:p14="http://schemas.microsoft.com/office/powerpoint/2010/main" xmlns="" val="1071825841"/>
       </p:ext>
     </p:extLst>
   </p:cSld>
@@ -6355,7 +6356,7 @@
     </p:spTree>
     <p:extLst>
       <p:ext uri="{BB962C8B-B14F-4D97-AF65-F5344CB8AC3E}">
-        <p14:creationId xmlns="" xmlns:p14="http://schemas.microsoft.com/office/powerpoint/2010/main" val="3786386798"/>
+        <p14:creationId xmlns:p14="http://schemas.microsoft.com/office/powerpoint/2010/main" xmlns="" val="3786386798"/>
       </p:ext>
     </p:extLst>
   </p:cSld>
@@ -6428,7 +6429,7 @@
           <a:blip r:embed="rId2" cstate="print">
             <a:extLst>
               <a:ext uri="{28A0092B-C50C-407E-A947-70E740481C1C}">
-                <a14:useLocalDpi xmlns="" xmlns:a14="http://schemas.microsoft.com/office/drawing/2010/main" val="0"/>
+                <a14:useLocalDpi xmlns:a14="http://schemas.microsoft.com/office/drawing/2010/main" xmlns="" val="0"/>
               </a:ext>
             </a:extLst>
           </a:blip>
@@ -6463,7 +6464,7 @@
           </a:effectLst>
           <a:extLst>
             <a:ext uri="{909E8E84-426E-40DD-AFC4-6F175D3DCCD1}">
-              <a14:hiddenFill xmlns="" xmlns:a14="http://schemas.microsoft.com/office/drawing/2010/main">
+              <a14:hiddenFill xmlns:a14="http://schemas.microsoft.com/office/drawing/2010/main" xmlns="">
                 <a:solidFill>
                   <a:schemeClr val="accent1"/>
                 </a:solidFill>
@@ -6484,7 +6485,7 @@
           <a:blip r:embed="rId3" cstate="print">
             <a:extLst>
               <a:ext uri="{28A0092B-C50C-407E-A947-70E740481C1C}">
-                <a14:useLocalDpi xmlns="" xmlns:a14="http://schemas.microsoft.com/office/drawing/2010/main" val="0"/>
+                <a14:useLocalDpi xmlns:a14="http://schemas.microsoft.com/office/drawing/2010/main" xmlns="" val="0"/>
               </a:ext>
             </a:extLst>
           </a:blip>
@@ -6519,7 +6520,7 @@
           </a:effectLst>
           <a:extLst>
             <a:ext uri="{909E8E84-426E-40DD-AFC4-6F175D3DCCD1}">
-              <a14:hiddenFill xmlns="" xmlns:a14="http://schemas.microsoft.com/office/drawing/2010/main">
+              <a14:hiddenFill xmlns:a14="http://schemas.microsoft.com/office/drawing/2010/main" xmlns="">
                 <a:solidFill>
                   <a:schemeClr val="accent1"/>
                 </a:solidFill>
@@ -6540,7 +6541,7 @@
           <a:blip r:embed="rId4" cstate="print">
             <a:extLst>
               <a:ext uri="{28A0092B-C50C-407E-A947-70E740481C1C}">
-                <a14:useLocalDpi xmlns="" xmlns:a14="http://schemas.microsoft.com/office/drawing/2010/main" val="0"/>
+                <a14:useLocalDpi xmlns:a14="http://schemas.microsoft.com/office/drawing/2010/main" xmlns="" val="0"/>
               </a:ext>
             </a:extLst>
           </a:blip>
@@ -6575,7 +6576,7 @@
           </a:effectLst>
           <a:extLst>
             <a:ext uri="{909E8E84-426E-40DD-AFC4-6F175D3DCCD1}">
-              <a14:hiddenFill xmlns="" xmlns:a14="http://schemas.microsoft.com/office/drawing/2010/main">
+              <a14:hiddenFill xmlns:a14="http://schemas.microsoft.com/office/drawing/2010/main" xmlns="">
                 <a:solidFill>
                   <a:schemeClr val="accent1"/>
                 </a:solidFill>
@@ -6587,7 +6588,7 @@
     </p:spTree>
     <p:extLst>
       <p:ext uri="{BB962C8B-B14F-4D97-AF65-F5344CB8AC3E}">
-        <p14:creationId xmlns="" xmlns:p14="http://schemas.microsoft.com/office/powerpoint/2010/main" val="2607898734"/>
+        <p14:creationId xmlns:p14="http://schemas.microsoft.com/office/powerpoint/2010/main" xmlns="" val="2607898734"/>
       </p:ext>
     </p:extLst>
   </p:cSld>
@@ -6679,7 +6680,7 @@
     </p:spTree>
     <p:extLst>
       <p:ext uri="{BB962C8B-B14F-4D97-AF65-F5344CB8AC3E}">
-        <p14:creationId xmlns="" xmlns:p14="http://schemas.microsoft.com/office/powerpoint/2010/main" val="806241532"/>
+        <p14:creationId xmlns:p14="http://schemas.microsoft.com/office/powerpoint/2010/main" xmlns="" val="806241532"/>
       </p:ext>
     </p:extLst>
   </p:cSld>
@@ -6754,7 +6755,7 @@
     </p:spTree>
     <p:extLst>
       <p:ext uri="{BB962C8B-B14F-4D97-AF65-F5344CB8AC3E}">
-        <p14:creationId xmlns="" xmlns:p14="http://schemas.microsoft.com/office/powerpoint/2010/main" val="3713405788"/>
+        <p14:creationId xmlns:p14="http://schemas.microsoft.com/office/powerpoint/2010/main" xmlns="" val="3713405788"/>
       </p:ext>
     </p:extLst>
   </p:cSld>
